--- a/Chronic kidney disease diagnostic tool report.pptx
+++ b/Chronic kidney disease diagnostic tool report.pptx
@@ -215,7 +215,7 @@
             <a:pPr rtl="0"/>
             <a:fld id="{A6F5C5BD-8AB6-4E5F-8616-0B1D32D0FBFD}" type="datetime1">
               <a:rPr lang="en-US" smtClean="0"/>
-              <a:t>7/2/2025</a:t>
+              <a:t>7/3/2025</a:t>
             </a:fld>
             <a:endParaRPr lang="en-US" dirty="0"/>
           </a:p>
@@ -385,7 +385,7 @@
             <a:pPr rtl="0"/>
             <a:fld id="{C3DD49AE-E876-4130-BF53-6229B9820536}" type="datetime1">
               <a:rPr lang="en-US" smtClean="0"/>
-              <a:t>7/2/2025</a:t>
+              <a:t>7/3/2025</a:t>
             </a:fld>
             <a:endParaRPr lang="en-US"/>
           </a:p>
@@ -1130,7 +1130,7 @@
             <a:pPr rtl="0"/>
             <a:fld id="{C0840E64-78EA-480E-9DFC-F5D183737F14}" type="datetime1">
               <a:rPr lang="en-US" smtClean="0"/>
-              <a:t>7/2/2025</a:t>
+              <a:t>7/3/2025</a:t>
             </a:fld>
             <a:endParaRPr lang="en-US" dirty="0"/>
           </a:p>
@@ -1336,7 +1336,7 @@
             <a:pPr rtl="0"/>
             <a:fld id="{6B56802B-70FA-41EA-BEAA-8B64D5BF1424}" type="datetime1">
               <a:rPr lang="en-US" smtClean="0"/>
-              <a:t>7/2/2025</a:t>
+              <a:t>7/3/2025</a:t>
             </a:fld>
             <a:endParaRPr lang="en-US"/>
           </a:p>
@@ -1520,7 +1520,7 @@
             <a:pPr rtl="0"/>
             <a:fld id="{F512D428-74E3-499E-9255-6C7C463A82F6}" type="datetime1">
               <a:rPr lang="en-US" smtClean="0"/>
-              <a:t>7/2/2025</a:t>
+              <a:t>7/3/2025</a:t>
             </a:fld>
             <a:endParaRPr lang="en-US"/>
           </a:p>
@@ -1694,7 +1694,7 @@
             <a:pPr rtl="0"/>
             <a:fld id="{6AF379E8-AC6C-43B9-9222-BDF0AF9336F0}" type="datetime1">
               <a:rPr lang="en-US" smtClean="0"/>
-              <a:t>7/2/2025</a:t>
+              <a:t>7/3/2025</a:t>
             </a:fld>
             <a:endParaRPr lang="en-US"/>
           </a:p>
@@ -2297,7 +2297,7 @@
             <a:pPr rtl="0"/>
             <a:fld id="{ED329652-6112-4F3D-B614-62B56A045E3D}" type="datetime1">
               <a:rPr lang="en-US" smtClean="0"/>
-              <a:t>7/2/2025</a:t>
+              <a:t>7/3/2025</a:t>
             </a:fld>
             <a:endParaRPr lang="en-US" dirty="0"/>
           </a:p>
@@ -2621,7 +2621,7 @@
             <a:pPr rtl="0"/>
             <a:fld id="{3064E64D-1B50-4EC0-83A1-DE58B45AB49E}" type="datetime1">
               <a:rPr lang="en-US" smtClean="0"/>
-              <a:t>7/2/2025</a:t>
+              <a:t>7/3/2025</a:t>
             </a:fld>
             <a:endParaRPr lang="en-US"/>
           </a:p>
@@ -3062,7 +3062,7 @@
             <a:pPr rtl="0"/>
             <a:fld id="{8761A824-A4A3-4BDD-B7F1-293A0EC1EA54}" type="datetime1">
               <a:rPr lang="en-US" smtClean="0"/>
-              <a:t>7/2/2025</a:t>
+              <a:t>7/3/2025</a:t>
             </a:fld>
             <a:endParaRPr lang="en-US"/>
           </a:p>
@@ -3184,7 +3184,7 @@
             <a:pPr rtl="0"/>
             <a:fld id="{D81B1D06-1BCF-4BCB-9319-09267D16BB9F}" type="datetime1">
               <a:rPr lang="en-US" smtClean="0"/>
-              <a:t>7/2/2025</a:t>
+              <a:t>7/3/2025</a:t>
             </a:fld>
             <a:endParaRPr lang="en-US"/>
           </a:p>
@@ -3282,7 +3282,7 @@
             <a:pPr rtl="0"/>
             <a:fld id="{65361324-1C8A-40EA-A8C7-BACD05350B74}" type="datetime1">
               <a:rPr lang="en-US" smtClean="0"/>
-              <a:t>7/2/2025</a:t>
+              <a:t>7/3/2025</a:t>
             </a:fld>
             <a:endParaRPr lang="en-US"/>
           </a:p>
@@ -3703,7 +3703,7 @@
             <a:pPr rtl="0"/>
             <a:fld id="{5BA78C1D-B8C9-43D1-BED3-AB201E145563}" type="datetime1">
               <a:rPr lang="en-US" smtClean="0"/>
-              <a:t>7/2/2025</a:t>
+              <a:t>7/3/2025</a:t>
             </a:fld>
             <a:endParaRPr lang="en-US"/>
           </a:p>
@@ -3968,7 +3968,7 @@
             <a:pPr rtl="0"/>
             <a:fld id="{BFA2D3EE-FBE6-4434-A13B-BD4C1C612D44}" type="datetime1">
               <a:rPr lang="en-US" smtClean="0"/>
-              <a:t>7/2/2025</a:t>
+              <a:t>7/3/2025</a:t>
             </a:fld>
             <a:endParaRPr lang="en-US" dirty="0"/>
           </a:p>
@@ -4488,7 +4488,7 @@
             <a:pPr rtl="0"/>
             <a:fld id="{4FF323AA-170C-4C76-B350-C21CF15222DA}" type="datetime1">
               <a:rPr lang="en-US" smtClean="0"/>
-              <a:t>7/2/2025</a:t>
+              <a:t>7/3/2025</a:t>
             </a:fld>
             <a:endParaRPr lang="en-US" dirty="0"/>
           </a:p>
@@ -5335,7 +5335,7 @@
             <a:pPr rtl="0"/>
             <a:fld id="{6AF379E8-AC6C-43B9-9222-BDF0AF9336F0}" type="datetime1">
               <a:rPr lang="en-US" smtClean="0"/>
-              <a:t>7/2/2025</a:t>
+              <a:t>7/3/2025</a:t>
             </a:fld>
             <a:endParaRPr lang="en-US"/>
           </a:p>
@@ -5552,7 +5552,7 @@
             <a:pPr rtl="0"/>
             <a:fld id="{6AF379E8-AC6C-43B9-9222-BDF0AF9336F0}" type="datetime1">
               <a:rPr lang="en-US" smtClean="0"/>
-              <a:t>7/2/2025</a:t>
+              <a:t>7/3/2025</a:t>
             </a:fld>
             <a:endParaRPr lang="en-US"/>
           </a:p>
@@ -5709,7 +5709,7 @@
             <a:pPr rtl="0"/>
             <a:fld id="{6AF379E8-AC6C-43B9-9222-BDF0AF9336F0}" type="datetime1">
               <a:rPr lang="en-US" smtClean="0"/>
-              <a:t>7/2/2025</a:t>
+              <a:t>7/3/2025</a:t>
             </a:fld>
             <a:endParaRPr lang="en-US"/>
           </a:p>
@@ -5936,7 +5936,7 @@
             <a:pPr rtl="0"/>
             <a:fld id="{6AF379E8-AC6C-43B9-9222-BDF0AF9336F0}" type="datetime1">
               <a:rPr lang="en-US" smtClean="0"/>
-              <a:t>7/2/2025</a:t>
+              <a:t>7/3/2025</a:t>
             </a:fld>
             <a:endParaRPr lang="en-US"/>
           </a:p>
@@ -6039,14 +6039,14 @@
             <a:pPr lvl="2"/>
             <a:r>
               <a:rPr lang="en-GB" dirty="0"/>
-              <a:t>1. Logistics Regression Model with accuracy 0.92, AUC score 0.79</a:t>
+              <a:t>1. Logistics Regression Model with accuracy 0.92, AUC score 0.78</a:t>
             </a:r>
           </a:p>
           <a:p>
             <a:pPr lvl="2"/>
             <a:r>
               <a:rPr lang="en-GB" dirty="0"/>
-              <a:t>2.  Random Forest Classifier Model with accuracy 0.93, AUC Score 0.84</a:t>
+              <a:t>2.  Random Forest Classifier Model with accuracy 0.93, AUC Score 0.79</a:t>
             </a:r>
           </a:p>
           <a:p>
@@ -6061,7 +6061,7 @@
             </a:r>
             <a:r>
               <a:rPr lang="en-GB" dirty="0"/>
-              <a:t> Model with accuracy 0.91, AUC score 0.78</a:t>
+              <a:t> Model with accuracy 0.93, AUC score 0.76</a:t>
             </a:r>
           </a:p>
           <a:p>
@@ -6114,7 +6114,7 @@
             <a:pPr rtl="0"/>
             <a:fld id="{6AF379E8-AC6C-43B9-9222-BDF0AF9336F0}" type="datetime1">
               <a:rPr lang="en-US" smtClean="0"/>
-              <a:t>7/2/2025</a:t>
+              <a:t>7/3/2025</a:t>
             </a:fld>
             <a:endParaRPr lang="en-US"/>
           </a:p>
@@ -6283,7 +6283,7 @@
             <a:pPr rtl="0"/>
             <a:fld id="{6AF379E8-AC6C-43B9-9222-BDF0AF9336F0}" type="datetime1">
               <a:rPr lang="en-US" smtClean="0"/>
-              <a:t>7/2/2025</a:t>
+              <a:t>7/3/2025</a:t>
             </a:fld>
             <a:endParaRPr lang="en-US"/>
           </a:p>
@@ -6368,7 +6368,7 @@
             <a:pPr rtl="0"/>
             <a:fld id="{6AF379E8-AC6C-43B9-9222-BDF0AF9336F0}" type="datetime1">
               <a:rPr lang="en-US" smtClean="0"/>
-              <a:t>7/2/2025</a:t>
+              <a:t>7/3/2025</a:t>
             </a:fld>
             <a:endParaRPr lang="en-US"/>
           </a:p>
@@ -6523,7 +6523,7 @@
             <a:pPr rtl="0"/>
             <a:fld id="{6AF379E8-AC6C-43B9-9222-BDF0AF9336F0}" type="datetime1">
               <a:rPr lang="en-US" smtClean="0"/>
-              <a:t>7/2/2025</a:t>
+              <a:t>7/3/2025</a:t>
             </a:fld>
             <a:endParaRPr lang="en-US"/>
           </a:p>
@@ -6643,7 +6643,7 @@
             <a:pPr rtl="0"/>
             <a:fld id="{6AF379E8-AC6C-43B9-9222-BDF0AF9336F0}" type="datetime1">
               <a:rPr lang="en-US" smtClean="0"/>
-              <a:t>7/2/2025</a:t>
+              <a:t>7/3/2025</a:t>
             </a:fld>
             <a:endParaRPr lang="en-US"/>
           </a:p>
